--- a/Computer Programming/Unit 7 POINTER AND DYNAMIC MEMORY ALLOCATION  .pptx
+++ b/Computer Programming/Unit 7 POINTER AND DYNAMIC MEMORY ALLOCATION  .pptx
@@ -246,7 +246,7 @@
             <a:fld id="{A038C6E7-F93F-4FEB-B5F1-DDFA47FBDA73}" type="datetimeFigureOut">
               <a:rPr lang="en-US" smtClean="0"/>
               <a:pPr/>
-              <a:t>11/21/2024</a:t>
+              <a:t>11/4/2025</a:t>
             </a:fld>
             <a:endParaRPr lang="en-US"/>
           </a:p>
@@ -906,7 +906,7 @@
             <a:fld id="{FB6E4831-481F-4AF1-9D8E-170CD6E1C3F5}" type="datetimeFigureOut">
               <a:rPr lang="en-IN" smtClean="0"/>
               <a:pPr/>
-              <a:t>21-11-2024</a:t>
+              <a:t>04-11-2025</a:t>
             </a:fld>
             <a:endParaRPr lang="en-IN"/>
           </a:p>
@@ -1094,7 +1094,7 @@
             <a:fld id="{FB6E4831-481F-4AF1-9D8E-170CD6E1C3F5}" type="datetimeFigureOut">
               <a:rPr lang="en-IN" smtClean="0"/>
               <a:pPr/>
-              <a:t>21-11-2024</a:t>
+              <a:t>04-11-2025</a:t>
             </a:fld>
             <a:endParaRPr lang="en-IN"/>
           </a:p>
@@ -1925,7 +1925,7 @@
             <a:fld id="{FB6E4831-481F-4AF1-9D8E-170CD6E1C3F5}" type="datetimeFigureOut">
               <a:rPr lang="en-IN" smtClean="0"/>
               <a:pPr/>
-              <a:t>21-11-2024</a:t>
+              <a:t>04-11-2025</a:t>
             </a:fld>
             <a:endParaRPr lang="en-IN"/>
           </a:p>
@@ -2375,7 +2375,7 @@
             <a:fld id="{FB6E4831-481F-4AF1-9D8E-170CD6E1C3F5}" type="datetimeFigureOut">
               <a:rPr lang="en-IN" smtClean="0"/>
               <a:pPr/>
-              <a:t>21-11-2024</a:t>
+              <a:t>04-11-2025</a:t>
             </a:fld>
             <a:endParaRPr lang="en-IN"/>
           </a:p>
@@ -2501,7 +2501,7 @@
             <a:fld id="{FB6E4831-481F-4AF1-9D8E-170CD6E1C3F5}" type="datetimeFigureOut">
               <a:rPr lang="en-IN" smtClean="0"/>
               <a:pPr/>
-              <a:t>21-11-2024</a:t>
+              <a:t>04-11-2025</a:t>
             </a:fld>
             <a:endParaRPr lang="en-IN"/>
           </a:p>
@@ -2604,7 +2604,7 @@
             <a:fld id="{FB6E4831-481F-4AF1-9D8E-170CD6E1C3F5}" type="datetimeFigureOut">
               <a:rPr lang="en-IN" smtClean="0"/>
               <a:pPr/>
-              <a:t>21-11-2024</a:t>
+              <a:t>04-11-2025</a:t>
             </a:fld>
             <a:endParaRPr lang="en-IN"/>
           </a:p>
@@ -2900,7 +2900,7 @@
             <a:fld id="{FB6E4831-481F-4AF1-9D8E-170CD6E1C3F5}" type="datetimeFigureOut">
               <a:rPr lang="en-IN" smtClean="0"/>
               <a:pPr/>
-              <a:t>21-11-2024</a:t>
+              <a:t>04-11-2025</a:t>
             </a:fld>
             <a:endParaRPr lang="en-IN"/>
           </a:p>
@@ -3181,7 +3181,7 @@
             <a:fld id="{FB6E4831-481F-4AF1-9D8E-170CD6E1C3F5}" type="datetimeFigureOut">
               <a:rPr lang="en-IN" smtClean="0"/>
               <a:pPr/>
-              <a:t>21-11-2024</a:t>
+              <a:t>04-11-2025</a:t>
             </a:fld>
             <a:endParaRPr lang="en-IN"/>
           </a:p>
@@ -3486,7 +3486,7 @@
             <a:fld id="{FB6E4831-481F-4AF1-9D8E-170CD6E1C3F5}" type="datetimeFigureOut">
               <a:rPr lang="en-IN" smtClean="0"/>
               <a:pPr/>
-              <a:t>21-11-2024</a:t>
+              <a:t>04-11-2025</a:t>
             </a:fld>
             <a:endParaRPr lang="en-IN" dirty="0"/>
           </a:p>
@@ -4607,6 +4607,13 @@
   <p:clrMapOvr>
     <a:masterClrMapping/>
   </p:clrMapOvr>
+  <p:timing>
+    <p:tnLst>
+      <p:par>
+        <p:cTn id="1" dur="indefinite" restart="never" nodeType="tmRoot"/>
+      </p:par>
+    </p:tnLst>
+  </p:timing>
 </p:sld>
 </file>
 
@@ -4652,6 +4659,10 @@
             <a:r>
               <a:rPr lang="en-IN" b="1" dirty="0"/>
               <a:t>Advantage of pointer</a:t>
+            </a:r>
+            <a:r>
+              <a:rPr lang="en-IN" dirty="0"/>
+              <a:t/>
             </a:r>
             <a:br>
               <a:rPr lang="en-IN" dirty="0"/>
@@ -4975,6 +4986,10 @@
             <a:r>
               <a:rPr lang="en-IN" b="1" dirty="0"/>
               <a:t>Address Of (&amp;) Operator</a:t>
+            </a:r>
+            <a:r>
+              <a:rPr lang="en-IN" dirty="0"/>
+              <a:t/>
             </a:r>
             <a:br>
               <a:rPr lang="en-IN" dirty="0"/>
@@ -5355,6 +5370,10 @@
               <a:rPr lang="en-IN" b="1" dirty="0"/>
               <a:t>Pointer Arithmetic</a:t>
             </a:r>
+            <a:r>
+              <a:rPr lang="en-IN" dirty="0"/>
+              <a:t/>
+            </a:r>
             <a:br>
               <a:rPr lang="en-IN" dirty="0"/>
             </a:br>
@@ -6218,6 +6237,10 @@
               <a:rPr lang="en-IN" b="1" dirty="0"/>
               <a:t>Decrementing Pointer</a:t>
             </a:r>
+            <a:r>
+              <a:rPr lang="en-IN" dirty="0"/>
+              <a:t/>
+            </a:r>
             <a:br>
               <a:rPr lang="en-IN" dirty="0"/>
             </a:br>
@@ -7055,7 +7078,7 @@
         </p:spPr>
         <p:txBody>
           <a:bodyPr>
-            <a:normAutofit/>
+            <a:normAutofit fontScale="92500"/>
           </a:bodyPr>
           <a:lstStyle/>
           <a:p>
@@ -7731,6 +7754,13 @@
   <p:clrMapOvr>
     <a:masterClrMapping/>
   </p:clrMapOvr>
+  <p:timing>
+    <p:tnLst>
+      <p:par>
+        <p:cTn id="1" dur="indefinite" restart="never" nodeType="tmRoot"/>
+      </p:par>
+    </p:tnLst>
+  </p:timing>
 </p:sld>
 </file>
 
@@ -7780,6 +7810,10 @@
             <a:r>
               <a:rPr lang="en-IN" b="1" dirty="0"/>
               <a:t>Pointer Subtraction</a:t>
+            </a:r>
+            <a:r>
+              <a:rPr lang="en-IN" dirty="0"/>
+              <a:t/>
             </a:r>
             <a:br>
               <a:rPr lang="en-IN" dirty="0"/>
@@ -9025,6 +9059,10 @@
               <a:rPr lang="en-IN" b="1" dirty="0"/>
               <a:t>NULL Pointer</a:t>
             </a:r>
+            <a:r>
+              <a:rPr lang="en-IN" dirty="0"/>
+              <a:t/>
+            </a:r>
             <a:br>
               <a:rPr lang="en-IN" dirty="0"/>
             </a:br>
@@ -9230,6 +9268,10 @@
               <a:rPr lang="en-IN" b="1" dirty="0"/>
               <a:t>NULL Pointer</a:t>
             </a:r>
+            <a:r>
+              <a:rPr lang="en-IN" dirty="0"/>
+              <a:t/>
+            </a:r>
             <a:br>
               <a:rPr lang="en-IN" dirty="0"/>
             </a:br>
@@ -9513,6 +9555,10 @@
               <a:rPr lang="en-IN" b="1" dirty="0"/>
               <a:t>Void Pointer</a:t>
             </a:r>
+            <a:r>
+              <a:rPr lang="en-IN" dirty="0"/>
+              <a:t/>
+            </a:r>
             <a:br>
               <a:rPr lang="en-IN" dirty="0"/>
             </a:br>
@@ -9681,6 +9727,10 @@
             <a:r>
               <a:rPr lang="en-IN" b="1" dirty="0"/>
               <a:t>Void Pointer</a:t>
+            </a:r>
+            <a:r>
+              <a:rPr lang="en-IN" dirty="0"/>
+              <a:t/>
             </a:r>
             <a:br>
               <a:rPr lang="en-IN" dirty="0"/>
@@ -10562,6 +10612,10 @@
               <a:rPr lang="en-IN" sz="4400" b="1" dirty="0"/>
               <a:t>malloc() method</a:t>
             </a:r>
+            <a:r>
+              <a:rPr lang="en-IN" dirty="0"/>
+              <a:t/>
+            </a:r>
             <a:br>
               <a:rPr lang="en-IN" dirty="0"/>
             </a:br>
@@ -10790,6 +10844,10 @@
               <a:rPr lang="en-IN" b="1" dirty="0"/>
               <a:t>Declaring a pointer</a:t>
             </a:r>
+            <a:r>
+              <a:rPr lang="en-IN" dirty="0"/>
+              <a:t/>
+            </a:r>
             <a:br>
               <a:rPr lang="en-IN" dirty="0"/>
             </a:br>
@@ -10932,6 +10990,13 @@
   <p:clrMapOvr>
     <a:masterClrMapping/>
   </p:clrMapOvr>
+  <p:timing>
+    <p:tnLst>
+      <p:par>
+        <p:cTn id="1" dur="indefinite" restart="never" nodeType="tmRoot"/>
+      </p:par>
+    </p:tnLst>
+  </p:timing>
 </p:sld>
 </file>
 
@@ -11694,6 +11759,16 @@
               </a:rPr>
               <a:t>() method</a:t>
             </a:r>
+            <a:r>
+              <a:rPr lang="en-IN" b="1" i="0" dirty="0">
+                <a:solidFill>
+                  <a:schemeClr val="bg1"/>
+                </a:solidFill>
+                <a:effectLst/>
+                <a:latin typeface="urw-din"/>
+              </a:rPr>
+              <a:t/>
+            </a:r>
             <a:br>
               <a:rPr lang="en-IN" b="1" i="0" dirty="0">
                 <a:solidFill>
@@ -12154,6 +12229,10 @@
               <a:rPr lang="en-IN" sz="4000" b="1" dirty="0"/>
               <a:t>() method</a:t>
             </a:r>
+            <a:r>
+              <a:rPr lang="en-IN" dirty="0"/>
+              <a:t/>
+            </a:r>
             <a:br>
               <a:rPr lang="en-IN" dirty="0"/>
             </a:br>
@@ -12805,7 +12884,7 @@
                 <a16:creationId xmlns:a16="http://schemas.microsoft.com/office/drawing/2014/main" id="{9203ABB4-7E2A-4248-9FE7-4A419AFF2F17}"/>
               </a:ext>
               <a:ext uri="{C183D7F6-B498-43B3-948B-1728B52AA6E4}">
-                <adec:decorative xmlns:adec="http://schemas.microsoft.com/office/drawing/2017/decorative" val="1"/>
+                <adec:decorative xmlns:adec="http://schemas.microsoft.com/office/drawing/2017/decorative" xmlns="" val="1"/>
               </a:ext>
             </a:extLst>
           </p:cNvPr>
@@ -12865,7 +12944,7 @@
                 <a16:creationId xmlns:a16="http://schemas.microsoft.com/office/drawing/2014/main" id="{3126970D-C1E5-4FB1-84E8-86CB9CED1C80}"/>
               </a:ext>
               <a:ext uri="{C183D7F6-B498-43B3-948B-1728B52AA6E4}">
-                <adec:decorative xmlns:adec="http://schemas.microsoft.com/office/drawing/2017/decorative" val="1"/>
+                <adec:decorative xmlns:adec="http://schemas.microsoft.com/office/drawing/2017/decorative" xmlns="" val="1"/>
               </a:ext>
             </a:extLst>
           </p:cNvPr>
@@ -12976,7 +13055,7 @@
                 <a14:useLocalDpi xmlns:a14="http://schemas.microsoft.com/office/drawing/2010/main" val="0"/>
               </a:ext>
               <a:ext uri="{96DAC541-7B7A-43D3-8B79-37D633B846F1}">
-                <asvg:svgBlip xmlns:asvg="http://schemas.microsoft.com/office/drawing/2016/SVG/main" r:embed="rId3"/>
+                <asvg:svgBlip xmlns:asvg="http://schemas.microsoft.com/office/drawing/2016/SVG/main" xmlns="" r:embed="rId3"/>
               </a:ext>
             </a:extLst>
           </a:blip>
@@ -13175,6 +13254,13 @@
   <p:clrMapOvr>
     <a:masterClrMapping/>
   </p:clrMapOvr>
+  <p:timing>
+    <p:tnLst>
+      <p:par>
+        <p:cTn id="1" dur="indefinite" restart="never" nodeType="tmRoot"/>
+      </p:par>
+    </p:tnLst>
+  </p:timing>
 </p:sld>
 </file>
 
@@ -13504,6 +13590,13 @@
   <p:clrMapOvr>
     <a:masterClrMapping/>
   </p:clrMapOvr>
+  <p:timing>
+    <p:tnLst>
+      <p:par>
+        <p:cTn id="1" dur="indefinite" restart="never" nodeType="tmRoot"/>
+      </p:par>
+    </p:tnLst>
+  </p:timing>
 </p:sld>
 </file>
 
@@ -13703,10 +13796,18 @@
                   <a:srgbClr val="0000CC"/>
                 </a:solidFill>
               </a:rPr>
-              <a:t>int *p[10]=&amp;</a:t>
-            </a:r>
-            <a:r>
-              <a:rPr lang="en-IN" sz="2800" dirty="0" err="1">
+              <a:t>int *</a:t>
+            </a:r>
+            <a:r>
+              <a:rPr lang="en-IN" sz="2800" dirty="0" smtClean="0">
+                <a:solidFill>
+                  <a:srgbClr val="0000CC"/>
+                </a:solidFill>
+              </a:rPr>
+              <a:t>p=</a:t>
+            </a:r>
+            <a:r>
+              <a:rPr lang="en-IN" sz="2800" dirty="0" err="1" smtClean="0">
                 <a:solidFill>
                   <a:srgbClr val="0000CC"/>
                 </a:solidFill>
@@ -13742,6 +13843,13 @@
   <p:clrMapOvr>
     <a:masterClrMapping/>
   </p:clrMapOvr>
+  <p:timing>
+    <p:tnLst>
+      <p:par>
+        <p:cTn id="1" dur="indefinite" restart="never" nodeType="tmRoot"/>
+      </p:par>
+    </p:tnLst>
+  </p:timing>
 </p:sld>
 </file>
 
@@ -13787,6 +13895,10 @@
             <a:r>
               <a:rPr lang="en-IN" b="1" dirty="0"/>
               <a:t>Pointer to a function</a:t>
+            </a:r>
+            <a:r>
+              <a:rPr lang="en-IN" dirty="0"/>
+              <a:t/>
             </a:r>
             <a:br>
               <a:rPr lang="en-IN" dirty="0"/>
@@ -13995,6 +14107,10 @@
             <a:r>
               <a:rPr lang="en-IN" b="1" dirty="0"/>
               <a:t>Pointer to a function</a:t>
+            </a:r>
+            <a:r>
+              <a:rPr lang="en-IN" dirty="0"/>
+              <a:t/>
             </a:r>
             <a:br>
               <a:rPr lang="en-IN" dirty="0"/>
